--- a/GoodsDelivery.pptx
+++ b/GoodsDelivery.pptx
@@ -109,6 +109,11 @@
       </a:defRPr>
     </a:lvl9pPr>
   </p:defaultTextStyle>
+  <p:extLst>
+    <p:ext uri="{EFAFB233-063F-42B5-8137-9DF3F51BA10A}">
+      <p15:sldGuideLst xmlns:p15="http://schemas.microsoft.com/office/powerpoint/2012/main"/>
+    </p:ext>
+  </p:extLst>
 </p:presentation>
 </file>
 
@@ -154,10 +159,9 @@
           </a:lstStyle>
           <a:p>
             <a:r>
-              <a:rPr lang="ru-RU" smtClean="0"/>
+              <a:rPr lang="ru-RU"/>
               <a:t>Образец заголовка</a:t>
             </a:r>
-            <a:endParaRPr lang="ru-RU"/>
           </a:p>
         </p:txBody>
       </p:sp>
@@ -219,10 +223,9 @@
           </a:lstStyle>
           <a:p>
             <a:r>
-              <a:rPr lang="ru-RU" smtClean="0"/>
+              <a:rPr lang="ru-RU"/>
               <a:t>Образец подзаголовка</a:t>
             </a:r>
-            <a:endParaRPr lang="ru-RU"/>
           </a:p>
         </p:txBody>
       </p:sp>
@@ -243,7 +246,7 @@
           <a:p>
             <a:fld id="{E0B6DB7F-9B3D-4FB4-B0EE-7CC81CBA38C6}" type="datetimeFigureOut">
               <a:rPr lang="ru-RU" smtClean="0"/>
-              <a:t>12.05.2020</a:t>
+              <a:t>15.05.2020</a:t>
             </a:fld>
             <a:endParaRPr lang="ru-RU"/>
           </a:p>
@@ -337,10 +340,9 @@
           <a:lstStyle/>
           <a:p>
             <a:r>
-              <a:rPr lang="ru-RU" smtClean="0"/>
+              <a:rPr lang="ru-RU"/>
               <a:t>Образец заголовка</a:t>
             </a:r>
-            <a:endParaRPr lang="ru-RU"/>
           </a:p>
         </p:txBody>
       </p:sp>
@@ -361,38 +363,37 @@
           <a:p>
             <a:pPr lvl="0"/>
             <a:r>
-              <a:rPr lang="ru-RU" smtClean="0"/>
+              <a:rPr lang="ru-RU"/>
               <a:t>Образец текста</a:t>
             </a:r>
           </a:p>
           <a:p>
             <a:pPr lvl="1"/>
             <a:r>
-              <a:rPr lang="ru-RU" smtClean="0"/>
+              <a:rPr lang="ru-RU"/>
               <a:t>Второй уровень</a:t>
             </a:r>
           </a:p>
           <a:p>
             <a:pPr lvl="2"/>
             <a:r>
-              <a:rPr lang="ru-RU" smtClean="0"/>
+              <a:rPr lang="ru-RU"/>
               <a:t>Третий уровень</a:t>
             </a:r>
           </a:p>
           <a:p>
             <a:pPr lvl="3"/>
             <a:r>
-              <a:rPr lang="ru-RU" smtClean="0"/>
+              <a:rPr lang="ru-RU"/>
               <a:t>Четвертый уровень</a:t>
             </a:r>
           </a:p>
           <a:p>
             <a:pPr lvl="4"/>
             <a:r>
-              <a:rPr lang="ru-RU" smtClean="0"/>
+              <a:rPr lang="ru-RU"/>
               <a:t>Пятый уровень</a:t>
             </a:r>
-            <a:endParaRPr lang="ru-RU"/>
           </a:p>
         </p:txBody>
       </p:sp>
@@ -413,7 +414,7 @@
           <a:p>
             <a:fld id="{E0B6DB7F-9B3D-4FB4-B0EE-7CC81CBA38C6}" type="datetimeFigureOut">
               <a:rPr lang="ru-RU" smtClean="0"/>
-              <a:t>12.05.2020</a:t>
+              <a:t>15.05.2020</a:t>
             </a:fld>
             <a:endParaRPr lang="ru-RU"/>
           </a:p>
@@ -512,10 +513,9 @@
           <a:lstStyle/>
           <a:p>
             <a:r>
-              <a:rPr lang="ru-RU" smtClean="0"/>
+              <a:rPr lang="ru-RU"/>
               <a:t>Образец заголовка</a:t>
             </a:r>
-            <a:endParaRPr lang="ru-RU"/>
           </a:p>
         </p:txBody>
       </p:sp>
@@ -541,38 +541,37 @@
           <a:p>
             <a:pPr lvl="0"/>
             <a:r>
-              <a:rPr lang="ru-RU" smtClean="0"/>
+              <a:rPr lang="ru-RU"/>
               <a:t>Образец текста</a:t>
             </a:r>
           </a:p>
           <a:p>
             <a:pPr lvl="1"/>
             <a:r>
-              <a:rPr lang="ru-RU" smtClean="0"/>
+              <a:rPr lang="ru-RU"/>
               <a:t>Второй уровень</a:t>
             </a:r>
           </a:p>
           <a:p>
             <a:pPr lvl="2"/>
             <a:r>
-              <a:rPr lang="ru-RU" smtClean="0"/>
+              <a:rPr lang="ru-RU"/>
               <a:t>Третий уровень</a:t>
             </a:r>
           </a:p>
           <a:p>
             <a:pPr lvl="3"/>
             <a:r>
-              <a:rPr lang="ru-RU" smtClean="0"/>
+              <a:rPr lang="ru-RU"/>
               <a:t>Четвертый уровень</a:t>
             </a:r>
           </a:p>
           <a:p>
             <a:pPr lvl="4"/>
             <a:r>
-              <a:rPr lang="ru-RU" smtClean="0"/>
+              <a:rPr lang="ru-RU"/>
               <a:t>Пятый уровень</a:t>
             </a:r>
-            <a:endParaRPr lang="ru-RU"/>
           </a:p>
         </p:txBody>
       </p:sp>
@@ -593,7 +592,7 @@
           <a:p>
             <a:fld id="{E0B6DB7F-9B3D-4FB4-B0EE-7CC81CBA38C6}" type="datetimeFigureOut">
               <a:rPr lang="ru-RU" smtClean="0"/>
-              <a:t>12.05.2020</a:t>
+              <a:t>15.05.2020</a:t>
             </a:fld>
             <a:endParaRPr lang="ru-RU"/>
           </a:p>
@@ -687,10 +686,9 @@
           <a:lstStyle/>
           <a:p>
             <a:r>
-              <a:rPr lang="ru-RU" smtClean="0"/>
+              <a:rPr lang="ru-RU"/>
               <a:t>Образец заголовка</a:t>
             </a:r>
-            <a:endParaRPr lang="ru-RU"/>
           </a:p>
         </p:txBody>
       </p:sp>
@@ -711,38 +709,37 @@
           <a:p>
             <a:pPr lvl="0"/>
             <a:r>
-              <a:rPr lang="ru-RU" smtClean="0"/>
+              <a:rPr lang="ru-RU"/>
               <a:t>Образец текста</a:t>
             </a:r>
           </a:p>
           <a:p>
             <a:pPr lvl="1"/>
             <a:r>
-              <a:rPr lang="ru-RU" smtClean="0"/>
+              <a:rPr lang="ru-RU"/>
               <a:t>Второй уровень</a:t>
             </a:r>
           </a:p>
           <a:p>
             <a:pPr lvl="2"/>
             <a:r>
-              <a:rPr lang="ru-RU" smtClean="0"/>
+              <a:rPr lang="ru-RU"/>
               <a:t>Третий уровень</a:t>
             </a:r>
           </a:p>
           <a:p>
             <a:pPr lvl="3"/>
             <a:r>
-              <a:rPr lang="ru-RU" smtClean="0"/>
+              <a:rPr lang="ru-RU"/>
               <a:t>Четвертый уровень</a:t>
             </a:r>
           </a:p>
           <a:p>
             <a:pPr lvl="4"/>
             <a:r>
-              <a:rPr lang="ru-RU" smtClean="0"/>
+              <a:rPr lang="ru-RU"/>
               <a:t>Пятый уровень</a:t>
             </a:r>
-            <a:endParaRPr lang="ru-RU"/>
           </a:p>
         </p:txBody>
       </p:sp>
@@ -763,7 +760,7 @@
           <a:p>
             <a:fld id="{E0B6DB7F-9B3D-4FB4-B0EE-7CC81CBA38C6}" type="datetimeFigureOut">
               <a:rPr lang="ru-RU" smtClean="0"/>
-              <a:t>12.05.2020</a:t>
+              <a:t>15.05.2020</a:t>
             </a:fld>
             <a:endParaRPr lang="ru-RU"/>
           </a:p>
@@ -866,10 +863,9 @@
           </a:lstStyle>
           <a:p>
             <a:r>
-              <a:rPr lang="ru-RU" smtClean="0"/>
+              <a:rPr lang="ru-RU"/>
               <a:t>Образец заголовка</a:t>
             </a:r>
-            <a:endParaRPr lang="ru-RU"/>
           </a:p>
         </p:txBody>
       </p:sp>
@@ -986,7 +982,7 @@
           <a:p>
             <a:pPr lvl="0"/>
             <a:r>
-              <a:rPr lang="ru-RU" smtClean="0"/>
+              <a:rPr lang="ru-RU"/>
               <a:t>Образец текста</a:t>
             </a:r>
           </a:p>
@@ -1009,7 +1005,7 @@
           <a:p>
             <a:fld id="{E0B6DB7F-9B3D-4FB4-B0EE-7CC81CBA38C6}" type="datetimeFigureOut">
               <a:rPr lang="ru-RU" smtClean="0"/>
-              <a:t>12.05.2020</a:t>
+              <a:t>15.05.2020</a:t>
             </a:fld>
             <a:endParaRPr lang="ru-RU"/>
           </a:p>
@@ -1103,10 +1099,9 @@
           <a:lstStyle/>
           <a:p>
             <a:r>
-              <a:rPr lang="ru-RU" smtClean="0"/>
+              <a:rPr lang="ru-RU"/>
               <a:t>Образец заголовка</a:t>
             </a:r>
-            <a:endParaRPr lang="ru-RU"/>
           </a:p>
         </p:txBody>
       </p:sp>
@@ -1132,38 +1127,37 @@
           <a:p>
             <a:pPr lvl="0"/>
             <a:r>
-              <a:rPr lang="ru-RU" smtClean="0"/>
+              <a:rPr lang="ru-RU"/>
               <a:t>Образец текста</a:t>
             </a:r>
           </a:p>
           <a:p>
             <a:pPr lvl="1"/>
             <a:r>
-              <a:rPr lang="ru-RU" smtClean="0"/>
+              <a:rPr lang="ru-RU"/>
               <a:t>Второй уровень</a:t>
             </a:r>
           </a:p>
           <a:p>
             <a:pPr lvl="2"/>
             <a:r>
-              <a:rPr lang="ru-RU" smtClean="0"/>
+              <a:rPr lang="ru-RU"/>
               <a:t>Третий уровень</a:t>
             </a:r>
           </a:p>
           <a:p>
             <a:pPr lvl="3"/>
             <a:r>
-              <a:rPr lang="ru-RU" smtClean="0"/>
+              <a:rPr lang="ru-RU"/>
               <a:t>Четвертый уровень</a:t>
             </a:r>
           </a:p>
           <a:p>
             <a:pPr lvl="4"/>
             <a:r>
-              <a:rPr lang="ru-RU" smtClean="0"/>
+              <a:rPr lang="ru-RU"/>
               <a:t>Пятый уровень</a:t>
             </a:r>
-            <a:endParaRPr lang="ru-RU"/>
           </a:p>
         </p:txBody>
       </p:sp>
@@ -1189,38 +1183,37 @@
           <a:p>
             <a:pPr lvl="0"/>
             <a:r>
-              <a:rPr lang="ru-RU" smtClean="0"/>
+              <a:rPr lang="ru-RU"/>
               <a:t>Образец текста</a:t>
             </a:r>
           </a:p>
           <a:p>
             <a:pPr lvl="1"/>
             <a:r>
-              <a:rPr lang="ru-RU" smtClean="0"/>
+              <a:rPr lang="ru-RU"/>
               <a:t>Второй уровень</a:t>
             </a:r>
           </a:p>
           <a:p>
             <a:pPr lvl="2"/>
             <a:r>
-              <a:rPr lang="ru-RU" smtClean="0"/>
+              <a:rPr lang="ru-RU"/>
               <a:t>Третий уровень</a:t>
             </a:r>
           </a:p>
           <a:p>
             <a:pPr lvl="3"/>
             <a:r>
-              <a:rPr lang="ru-RU" smtClean="0"/>
+              <a:rPr lang="ru-RU"/>
               <a:t>Четвертый уровень</a:t>
             </a:r>
           </a:p>
           <a:p>
             <a:pPr lvl="4"/>
             <a:r>
-              <a:rPr lang="ru-RU" smtClean="0"/>
+              <a:rPr lang="ru-RU"/>
               <a:t>Пятый уровень</a:t>
             </a:r>
-            <a:endParaRPr lang="ru-RU"/>
           </a:p>
         </p:txBody>
       </p:sp>
@@ -1241,7 +1234,7 @@
           <a:p>
             <a:fld id="{E0B6DB7F-9B3D-4FB4-B0EE-7CC81CBA38C6}" type="datetimeFigureOut">
               <a:rPr lang="ru-RU" smtClean="0"/>
-              <a:t>12.05.2020</a:t>
+              <a:t>15.05.2020</a:t>
             </a:fld>
             <a:endParaRPr lang="ru-RU"/>
           </a:p>
@@ -1340,10 +1333,9 @@
           <a:lstStyle/>
           <a:p>
             <a:r>
-              <a:rPr lang="ru-RU" smtClean="0"/>
+              <a:rPr lang="ru-RU"/>
               <a:t>Образец заголовка</a:t>
             </a:r>
-            <a:endParaRPr lang="ru-RU"/>
           </a:p>
         </p:txBody>
       </p:sp>
@@ -1406,7 +1398,7 @@
           <a:p>
             <a:pPr lvl="0"/>
             <a:r>
-              <a:rPr lang="ru-RU" smtClean="0"/>
+              <a:rPr lang="ru-RU"/>
               <a:t>Образец текста</a:t>
             </a:r>
           </a:p>
@@ -1434,38 +1426,37 @@
           <a:p>
             <a:pPr lvl="0"/>
             <a:r>
-              <a:rPr lang="ru-RU" smtClean="0"/>
+              <a:rPr lang="ru-RU"/>
               <a:t>Образец текста</a:t>
             </a:r>
           </a:p>
           <a:p>
             <a:pPr lvl="1"/>
             <a:r>
-              <a:rPr lang="ru-RU" smtClean="0"/>
+              <a:rPr lang="ru-RU"/>
               <a:t>Второй уровень</a:t>
             </a:r>
           </a:p>
           <a:p>
             <a:pPr lvl="2"/>
             <a:r>
-              <a:rPr lang="ru-RU" smtClean="0"/>
+              <a:rPr lang="ru-RU"/>
               <a:t>Третий уровень</a:t>
             </a:r>
           </a:p>
           <a:p>
             <a:pPr lvl="3"/>
             <a:r>
-              <a:rPr lang="ru-RU" smtClean="0"/>
+              <a:rPr lang="ru-RU"/>
               <a:t>Четвертый уровень</a:t>
             </a:r>
           </a:p>
           <a:p>
             <a:pPr lvl="4"/>
             <a:r>
-              <a:rPr lang="ru-RU" smtClean="0"/>
+              <a:rPr lang="ru-RU"/>
               <a:t>Пятый уровень</a:t>
             </a:r>
-            <a:endParaRPr lang="ru-RU"/>
           </a:p>
         </p:txBody>
       </p:sp>
@@ -1528,7 +1519,7 @@
           <a:p>
             <a:pPr lvl="0"/>
             <a:r>
-              <a:rPr lang="ru-RU" smtClean="0"/>
+              <a:rPr lang="ru-RU"/>
               <a:t>Образец текста</a:t>
             </a:r>
           </a:p>
@@ -1556,38 +1547,37 @@
           <a:p>
             <a:pPr lvl="0"/>
             <a:r>
-              <a:rPr lang="ru-RU" smtClean="0"/>
+              <a:rPr lang="ru-RU"/>
               <a:t>Образец текста</a:t>
             </a:r>
           </a:p>
           <a:p>
             <a:pPr lvl="1"/>
             <a:r>
-              <a:rPr lang="ru-RU" smtClean="0"/>
+              <a:rPr lang="ru-RU"/>
               <a:t>Второй уровень</a:t>
             </a:r>
           </a:p>
           <a:p>
             <a:pPr lvl="2"/>
             <a:r>
-              <a:rPr lang="ru-RU" smtClean="0"/>
+              <a:rPr lang="ru-RU"/>
               <a:t>Третий уровень</a:t>
             </a:r>
           </a:p>
           <a:p>
             <a:pPr lvl="3"/>
             <a:r>
-              <a:rPr lang="ru-RU" smtClean="0"/>
+              <a:rPr lang="ru-RU"/>
               <a:t>Четвертый уровень</a:t>
             </a:r>
           </a:p>
           <a:p>
             <a:pPr lvl="4"/>
             <a:r>
-              <a:rPr lang="ru-RU" smtClean="0"/>
+              <a:rPr lang="ru-RU"/>
               <a:t>Пятый уровень</a:t>
             </a:r>
-            <a:endParaRPr lang="ru-RU"/>
           </a:p>
         </p:txBody>
       </p:sp>
@@ -1608,7 +1598,7 @@
           <a:p>
             <a:fld id="{E0B6DB7F-9B3D-4FB4-B0EE-7CC81CBA38C6}" type="datetimeFigureOut">
               <a:rPr lang="ru-RU" smtClean="0"/>
-              <a:t>12.05.2020</a:t>
+              <a:t>15.05.2020</a:t>
             </a:fld>
             <a:endParaRPr lang="ru-RU"/>
           </a:p>
@@ -1702,10 +1692,9 @@
           <a:lstStyle/>
           <a:p>
             <a:r>
-              <a:rPr lang="ru-RU" smtClean="0"/>
+              <a:rPr lang="ru-RU"/>
               <a:t>Образец заголовка</a:t>
             </a:r>
-            <a:endParaRPr lang="ru-RU"/>
           </a:p>
         </p:txBody>
       </p:sp>
@@ -1726,7 +1715,7 @@
           <a:p>
             <a:fld id="{E0B6DB7F-9B3D-4FB4-B0EE-7CC81CBA38C6}" type="datetimeFigureOut">
               <a:rPr lang="ru-RU" smtClean="0"/>
-              <a:t>12.05.2020</a:t>
+              <a:t>15.05.2020</a:t>
             </a:fld>
             <a:endParaRPr lang="ru-RU"/>
           </a:p>
@@ -1821,7 +1810,7 @@
           <a:p>
             <a:fld id="{E0B6DB7F-9B3D-4FB4-B0EE-7CC81CBA38C6}" type="datetimeFigureOut">
               <a:rPr lang="ru-RU" smtClean="0"/>
-              <a:t>12.05.2020</a:t>
+              <a:t>15.05.2020</a:t>
             </a:fld>
             <a:endParaRPr lang="ru-RU"/>
           </a:p>
@@ -1924,10 +1913,9 @@
           </a:lstStyle>
           <a:p>
             <a:r>
-              <a:rPr lang="ru-RU" smtClean="0"/>
+              <a:rPr lang="ru-RU"/>
               <a:t>Образец заголовка</a:t>
             </a:r>
-            <a:endParaRPr lang="ru-RU"/>
           </a:p>
         </p:txBody>
       </p:sp>
@@ -1981,38 +1969,37 @@
           <a:p>
             <a:pPr lvl="0"/>
             <a:r>
-              <a:rPr lang="ru-RU" smtClean="0"/>
+              <a:rPr lang="ru-RU"/>
               <a:t>Образец текста</a:t>
             </a:r>
           </a:p>
           <a:p>
             <a:pPr lvl="1"/>
             <a:r>
-              <a:rPr lang="ru-RU" smtClean="0"/>
+              <a:rPr lang="ru-RU"/>
               <a:t>Второй уровень</a:t>
             </a:r>
           </a:p>
           <a:p>
             <a:pPr lvl="2"/>
             <a:r>
-              <a:rPr lang="ru-RU" smtClean="0"/>
+              <a:rPr lang="ru-RU"/>
               <a:t>Третий уровень</a:t>
             </a:r>
           </a:p>
           <a:p>
             <a:pPr lvl="3"/>
             <a:r>
-              <a:rPr lang="ru-RU" smtClean="0"/>
+              <a:rPr lang="ru-RU"/>
               <a:t>Четвертый уровень</a:t>
             </a:r>
           </a:p>
           <a:p>
             <a:pPr lvl="4"/>
             <a:r>
-              <a:rPr lang="ru-RU" smtClean="0"/>
+              <a:rPr lang="ru-RU"/>
               <a:t>Пятый уровень</a:t>
             </a:r>
-            <a:endParaRPr lang="ru-RU"/>
           </a:p>
         </p:txBody>
       </p:sp>
@@ -2075,7 +2062,7 @@
           <a:p>
             <a:pPr lvl="0"/>
             <a:r>
-              <a:rPr lang="ru-RU" smtClean="0"/>
+              <a:rPr lang="ru-RU"/>
               <a:t>Образец текста</a:t>
             </a:r>
           </a:p>
@@ -2098,7 +2085,7 @@
           <a:p>
             <a:fld id="{E0B6DB7F-9B3D-4FB4-B0EE-7CC81CBA38C6}" type="datetimeFigureOut">
               <a:rPr lang="ru-RU" smtClean="0"/>
-              <a:t>12.05.2020</a:t>
+              <a:t>15.05.2020</a:t>
             </a:fld>
             <a:endParaRPr lang="ru-RU"/>
           </a:p>
@@ -2201,10 +2188,9 @@
           </a:lstStyle>
           <a:p>
             <a:r>
-              <a:rPr lang="ru-RU" smtClean="0"/>
+              <a:rPr lang="ru-RU"/>
               <a:t>Образец заголовка</a:t>
             </a:r>
-            <a:endParaRPr lang="ru-RU"/>
           </a:p>
         </p:txBody>
       </p:sp>
@@ -2328,7 +2314,7 @@
           <a:p>
             <a:pPr lvl="0"/>
             <a:r>
-              <a:rPr lang="ru-RU" smtClean="0"/>
+              <a:rPr lang="ru-RU"/>
               <a:t>Образец текста</a:t>
             </a:r>
           </a:p>
@@ -2351,7 +2337,7 @@
           <a:p>
             <a:fld id="{E0B6DB7F-9B3D-4FB4-B0EE-7CC81CBA38C6}" type="datetimeFigureOut">
               <a:rPr lang="ru-RU" smtClean="0"/>
-              <a:t>12.05.2020</a:t>
+              <a:t>15.05.2020</a:t>
             </a:fld>
             <a:endParaRPr lang="ru-RU"/>
           </a:p>
@@ -2460,10 +2446,9 @@
           <a:lstStyle/>
           <a:p>
             <a:r>
-              <a:rPr lang="ru-RU" smtClean="0"/>
+              <a:rPr lang="ru-RU"/>
               <a:t>Образец заголовка</a:t>
             </a:r>
-            <a:endParaRPr lang="ru-RU"/>
           </a:p>
         </p:txBody>
       </p:sp>
@@ -2494,38 +2479,37 @@
           <a:p>
             <a:pPr lvl="0"/>
             <a:r>
-              <a:rPr lang="ru-RU" smtClean="0"/>
+              <a:rPr lang="ru-RU"/>
               <a:t>Образец текста</a:t>
             </a:r>
           </a:p>
           <a:p>
             <a:pPr lvl="1"/>
             <a:r>
-              <a:rPr lang="ru-RU" smtClean="0"/>
+              <a:rPr lang="ru-RU"/>
               <a:t>Второй уровень</a:t>
             </a:r>
           </a:p>
           <a:p>
             <a:pPr lvl="2"/>
             <a:r>
-              <a:rPr lang="ru-RU" smtClean="0"/>
+              <a:rPr lang="ru-RU"/>
               <a:t>Третий уровень</a:t>
             </a:r>
           </a:p>
           <a:p>
             <a:pPr lvl="3"/>
             <a:r>
-              <a:rPr lang="ru-RU" smtClean="0"/>
+              <a:rPr lang="ru-RU"/>
               <a:t>Четвертый уровень</a:t>
             </a:r>
           </a:p>
           <a:p>
             <a:pPr lvl="4"/>
             <a:r>
-              <a:rPr lang="ru-RU" smtClean="0"/>
+              <a:rPr lang="ru-RU"/>
               <a:t>Пятый уровень</a:t>
             </a:r>
-            <a:endParaRPr lang="ru-RU"/>
           </a:p>
         </p:txBody>
       </p:sp>
@@ -2564,7 +2548,7 @@
           <a:p>
             <a:fld id="{E0B6DB7F-9B3D-4FB4-B0EE-7CC81CBA38C6}" type="datetimeFigureOut">
               <a:rPr lang="ru-RU" smtClean="0"/>
-              <a:t>12.05.2020</a:t>
+              <a:t>15.05.2020</a:t>
             </a:fld>
             <a:endParaRPr lang="ru-RU"/>
           </a:p>
@@ -2985,8 +2969,8 @@
           <a:lstStyle/>
           <a:p>
             <a:r>
-              <a:rPr lang="en-US" dirty="0" err="1" smtClean="0"/>
-              <a:t>GoodsDelivery</a:t>
+              <a:rPr lang="en-US" dirty="0"/>
+              <a:t>Delivery</a:t>
             </a:r>
             <a:endParaRPr lang="ru-RU" dirty="0"/>
           </a:p>
@@ -3008,22 +2992,17 @@
           <a:lstStyle/>
           <a:p>
             <a:r>
-              <a:rPr lang="ru-RU" dirty="0" smtClean="0"/>
-              <a:t>Проект </a:t>
-            </a:r>
-            <a:r>
-              <a:rPr lang="ru-RU" dirty="0" smtClean="0"/>
-              <a:t>Софронова Сергея и </a:t>
-            </a:r>
-            <a:r>
-              <a:rPr lang="ru-RU" dirty="0" err="1" smtClean="0"/>
+              <a:rPr lang="ru-RU" dirty="0"/>
+              <a:t>Проект Софронова Сергея и </a:t>
+            </a:r>
+            <a:r>
+              <a:rPr lang="ru-RU" dirty="0" err="1"/>
               <a:t>Школьникова</a:t>
             </a:r>
             <a:r>
-              <a:rPr lang="ru-RU" dirty="0" smtClean="0"/>
+              <a:rPr lang="ru-RU" dirty="0"/>
               <a:t> Елисея</a:t>
             </a:r>
-            <a:endParaRPr lang="ru-RU" dirty="0" smtClean="0"/>
           </a:p>
         </p:txBody>
       </p:sp>
@@ -3073,10 +3052,9 @@
           <a:lstStyle/>
           <a:p>
             <a:r>
-              <a:rPr lang="ru-RU" dirty="0" smtClean="0"/>
+              <a:rPr lang="ru-RU" dirty="0"/>
               <a:t>Цель проекта</a:t>
             </a:r>
-            <a:endParaRPr lang="ru-RU" dirty="0"/>
           </a:p>
         </p:txBody>
       </p:sp>
@@ -3096,22 +3074,21 @@
           <a:lstStyle/>
           <a:p>
             <a:r>
-              <a:rPr lang="ru-RU" dirty="0" smtClean="0"/>
+              <a:rPr lang="ru-RU" dirty="0"/>
               <a:t>Создать платформу, объединяющую курьеров и работодателей</a:t>
             </a:r>
           </a:p>
           <a:p>
             <a:r>
-              <a:rPr lang="ru-RU" dirty="0" smtClean="0"/>
+              <a:rPr lang="ru-RU" dirty="0"/>
               <a:t>Найти курьеров для работодателя </a:t>
             </a:r>
           </a:p>
           <a:p>
             <a:r>
-              <a:rPr lang="ru-RU" dirty="0" smtClean="0"/>
+              <a:rPr lang="ru-RU" dirty="0"/>
               <a:t>Найти работу для курьеров</a:t>
             </a:r>
-            <a:endParaRPr lang="ru-RU" dirty="0"/>
           </a:p>
         </p:txBody>
       </p:sp>
@@ -3161,73 +3138,72 @@
           <a:lstStyle/>
           <a:p>
             <a:r>
-              <a:rPr lang="ru-RU" dirty="0" smtClean="0"/>
+              <a:rPr lang="ru-RU" dirty="0"/>
               <a:t>Какие технологии мы использовали?</a:t>
             </a:r>
+          </a:p>
+        </p:txBody>
+      </p:sp>
+      <p:sp>
+        <p:nvSpPr>
+          <p:cNvPr id="3" name="Объект 2"/>
+          <p:cNvSpPr>
+            <a:spLocks noGrp="1"/>
+          </p:cNvSpPr>
+          <p:nvPr>
+            <p:ph idx="1"/>
+          </p:nvPr>
+        </p:nvSpPr>
+        <p:spPr/>
+        <p:txBody>
+          <a:bodyPr/>
+          <a:lstStyle/>
+          <a:p>
+            <a:r>
+              <a:rPr lang="ru-RU" dirty="0"/>
+              <a:t>Веб-сайт на </a:t>
+            </a:r>
+            <a:r>
+              <a:rPr lang="en-US" dirty="0"/>
+              <a:t>Flask</a:t>
+            </a:r>
+          </a:p>
+          <a:p>
+            <a:r>
+              <a:rPr lang="ru-RU" dirty="0"/>
+              <a:t>Бот-</a:t>
+            </a:r>
+            <a:r>
+              <a:rPr lang="ru-RU" dirty="0" err="1"/>
+              <a:t>вк</a:t>
+            </a:r>
+            <a:r>
+              <a:rPr lang="ru-RU" dirty="0"/>
+              <a:t> на </a:t>
+            </a:r>
+            <a:r>
+              <a:rPr lang="en-US" dirty="0"/>
+              <a:t>VK API</a:t>
+            </a:r>
             <a:endParaRPr lang="ru-RU" dirty="0"/>
           </a:p>
-        </p:txBody>
-      </p:sp>
-      <p:sp>
-        <p:nvSpPr>
-          <p:cNvPr id="3" name="Объект 2"/>
-          <p:cNvSpPr>
-            <a:spLocks noGrp="1"/>
-          </p:cNvSpPr>
-          <p:nvPr>
-            <p:ph idx="1"/>
-          </p:nvPr>
-        </p:nvSpPr>
-        <p:spPr/>
-        <p:txBody>
-          <a:bodyPr/>
-          <a:lstStyle/>
-          <a:p>
-            <a:r>
-              <a:rPr lang="ru-RU" dirty="0" smtClean="0"/>
-              <a:t>Веб-сайт на </a:t>
-            </a:r>
-            <a:r>
-              <a:rPr lang="en-US" dirty="0" smtClean="0"/>
-              <a:t>Flask</a:t>
-            </a:r>
-          </a:p>
-          <a:p>
-            <a:r>
-              <a:rPr lang="ru-RU" dirty="0" smtClean="0"/>
-              <a:t>Бот-</a:t>
-            </a:r>
-            <a:r>
-              <a:rPr lang="ru-RU" dirty="0" err="1" smtClean="0"/>
-              <a:t>вк</a:t>
-            </a:r>
-            <a:r>
-              <a:rPr lang="ru-RU" dirty="0" smtClean="0"/>
-              <a:t> на </a:t>
-            </a:r>
-            <a:r>
-              <a:rPr lang="en-US" dirty="0" smtClean="0"/>
-              <a:t>VK API</a:t>
-            </a:r>
-            <a:endParaRPr lang="ru-RU" dirty="0" smtClean="0"/>
-          </a:p>
-          <a:p>
-            <a:r>
-              <a:rPr lang="ru-RU" dirty="0" smtClean="0"/>
+          <a:p>
+            <a:r>
+              <a:rPr lang="ru-RU" dirty="0"/>
               <a:t>База данных </a:t>
             </a:r>
             <a:r>
-              <a:rPr lang="en-US" dirty="0" smtClean="0"/>
+              <a:rPr lang="en-US" dirty="0"/>
               <a:t>SQL</a:t>
             </a:r>
           </a:p>
           <a:p>
             <a:r>
-              <a:rPr lang="ru-RU" dirty="0" smtClean="0"/>
+              <a:rPr lang="ru-RU" dirty="0"/>
               <a:t>Туннель в интернет через </a:t>
             </a:r>
             <a:r>
-              <a:rPr lang="en-US" dirty="0" err="1" smtClean="0"/>
+              <a:rPr lang="en-US" dirty="0" err="1"/>
               <a:t>flask_ngrok</a:t>
             </a:r>
             <a:endParaRPr lang="ru-RU" dirty="0"/>
@@ -3280,10 +3256,9 @@
           <a:lstStyle/>
           <a:p>
             <a:r>
-              <a:rPr lang="ru-RU" dirty="0" smtClean="0"/>
+              <a:rPr lang="ru-RU" dirty="0"/>
               <a:t>Сайт</a:t>
             </a:r>
-            <a:endParaRPr lang="ru-RU" dirty="0"/>
           </a:p>
         </p:txBody>
       </p:sp>
@@ -3336,55 +3311,54 @@
           <a:lstStyle/>
           <a:p>
             <a:r>
-              <a:rPr lang="en-US" dirty="0" smtClean="0"/>
+              <a:rPr lang="en-US" dirty="0"/>
               <a:t>Main – </a:t>
             </a:r>
             <a:r>
-              <a:rPr lang="ru-RU" dirty="0" smtClean="0"/>
+              <a:rPr lang="ru-RU" dirty="0"/>
               <a:t>основные новости проекта</a:t>
             </a:r>
           </a:p>
           <a:p>
             <a:r>
-              <a:rPr lang="en-US" dirty="0" smtClean="0"/>
+              <a:rPr lang="en-US" dirty="0"/>
               <a:t>Order goods – </a:t>
             </a:r>
             <a:r>
-              <a:rPr lang="ru-RU" dirty="0" smtClean="0"/>
+              <a:rPr lang="ru-RU" dirty="0"/>
               <a:t>вкладка для курьеров, отображаются активные запросы на доставку</a:t>
             </a:r>
           </a:p>
           <a:p>
             <a:r>
-              <a:rPr lang="en-US" dirty="0" smtClean="0"/>
+              <a:rPr lang="en-US" dirty="0"/>
               <a:t>For company – </a:t>
             </a:r>
             <a:r>
-              <a:rPr lang="ru-RU" dirty="0" smtClean="0"/>
+              <a:rPr lang="ru-RU" dirty="0"/>
               <a:t>для добавления новых запросов на доставку</a:t>
             </a:r>
           </a:p>
           <a:p>
             <a:r>
-              <a:rPr lang="en-US" dirty="0" smtClean="0"/>
+              <a:rPr lang="en-US" dirty="0"/>
               <a:t>Who are we? – </a:t>
             </a:r>
             <a:r>
-              <a:rPr lang="ru-RU" dirty="0" smtClean="0"/>
+              <a:rPr lang="ru-RU" dirty="0"/>
               <a:t>Немного о нас</a:t>
             </a:r>
             <a:br>
-              <a:rPr lang="ru-RU" dirty="0" smtClean="0"/>
+              <a:rPr lang="ru-RU" dirty="0"/>
             </a:br>
             <a:r>
-              <a:rPr lang="en-US" dirty="0" smtClean="0"/>
+              <a:rPr lang="en-US" dirty="0"/>
               <a:t>Contacts – </a:t>
             </a:r>
             <a:r>
-              <a:rPr lang="ru-RU" dirty="0" smtClean="0"/>
+              <a:rPr lang="ru-RU" dirty="0"/>
               <a:t>контакты создателей проекта и обратная связь с нами</a:t>
             </a:r>
-            <a:endParaRPr lang="ru-RU" dirty="0"/>
           </a:p>
         </p:txBody>
       </p:sp>
@@ -3434,10 +3408,9 @@
           <a:lstStyle/>
           <a:p>
             <a:r>
-              <a:rPr lang="ru-RU" dirty="0" smtClean="0"/>
+              <a:rPr lang="ru-RU" dirty="0"/>
               <a:t>Бот в ВК</a:t>
             </a:r>
-            <a:endParaRPr lang="ru-RU" dirty="0"/>
           </a:p>
         </p:txBody>
       </p:sp>
@@ -3490,11 +3463,11 @@
           <a:lstStyle/>
           <a:p>
             <a:r>
-              <a:rPr lang="ru-RU" dirty="0" smtClean="0"/>
+              <a:rPr lang="ru-RU" dirty="0"/>
               <a:t>Все тоже самое, но в более удобной форме </a:t>
             </a:r>
             <a:r>
-              <a:rPr lang="ru-RU" dirty="0" smtClean="0">
+              <a:rPr lang="ru-RU" dirty="0">
                 <a:sym typeface="Wingdings" panose="05000000000000000000" pitchFamily="2" charset="2"/>
               </a:rPr>
               <a:t></a:t>
@@ -3573,10 +3546,9 @@
           <a:lstStyle/>
           <a:p>
             <a:r>
-              <a:rPr lang="ru-RU" dirty="0" smtClean="0"/>
+              <a:rPr lang="ru-RU" dirty="0"/>
               <a:t>Перспектива и дальнейшее продвижение</a:t>
             </a:r>
-            <a:endParaRPr lang="ru-RU" dirty="0"/>
           </a:p>
         </p:txBody>
       </p:sp>
@@ -3596,28 +3568,27 @@
           <a:lstStyle/>
           <a:p>
             <a:r>
-              <a:rPr lang="ru-RU" dirty="0" smtClean="0"/>
+              <a:rPr lang="ru-RU" dirty="0"/>
               <a:t>Предложить проект крупным компаниям, продающим всевозможные товары</a:t>
             </a:r>
           </a:p>
           <a:p>
             <a:r>
-              <a:rPr lang="ru-RU" dirty="0" smtClean="0"/>
+              <a:rPr lang="ru-RU" dirty="0"/>
               <a:t>Будут предложения по доставке – будут курьеры, желающие выполнить доставку</a:t>
             </a:r>
           </a:p>
           <a:p>
             <a:r>
-              <a:rPr lang="ru-RU" dirty="0" smtClean="0"/>
+              <a:rPr lang="ru-RU" dirty="0"/>
               <a:t>Улучшение интерфейса </a:t>
             </a:r>
           </a:p>
           <a:p>
             <a:r>
-              <a:rPr lang="ru-RU" dirty="0" smtClean="0"/>
+              <a:rPr lang="ru-RU" dirty="0"/>
               <a:t>Добавление новых фишек</a:t>
             </a:r>
-            <a:endParaRPr lang="ru-RU" dirty="0"/>
           </a:p>
         </p:txBody>
       </p:sp>
